--- a/2_ADF/PPT/2_Activities/2_Data Transformation Activities/1_Data Flow/1_Multiple inputs-outputs/4_Union/1_Union.pptx
+++ b/2_ADF/PPT/2_Activities/2_Data Transformation Activities/1_Data Flow/1_Multiple inputs-outputs/4_Union/1_Union.pptx
@@ -104,6 +104,11 @@
       </a:defRPr>
     </a:lvl9pPr>
   </p:defaultTextStyle>
+  <p:extLst>
+    <p:ext uri="{EFAFB233-063F-42B5-8137-9DF3F51BA10A}">
+      <p15:sldGuideLst xmlns:p15="http://schemas.microsoft.com/office/powerpoint/2012/main"/>
+    </p:ext>
+  </p:extLst>
 </p:presentation>
 </file>
 
@@ -256,7 +261,7 @@
           <a:p>
             <a:fld id="{F22DAE89-86ED-4408-9139-3EE7BF506454}" type="datetimeFigureOut">
               <a:rPr lang="en-IN" smtClean="0"/>
-              <a:t>31-01-2023</a:t>
+              <a:t>15-02-2023</a:t>
             </a:fld>
             <a:endParaRPr lang="en-IN"/>
           </a:p>
@@ -456,7 +461,7 @@
           <a:p>
             <a:fld id="{F22DAE89-86ED-4408-9139-3EE7BF506454}" type="datetimeFigureOut">
               <a:rPr lang="en-IN" smtClean="0"/>
-              <a:t>31-01-2023</a:t>
+              <a:t>15-02-2023</a:t>
             </a:fld>
             <a:endParaRPr lang="en-IN"/>
           </a:p>
@@ -666,7 +671,7 @@
           <a:p>
             <a:fld id="{F22DAE89-86ED-4408-9139-3EE7BF506454}" type="datetimeFigureOut">
               <a:rPr lang="en-IN" smtClean="0"/>
-              <a:t>31-01-2023</a:t>
+              <a:t>15-02-2023</a:t>
             </a:fld>
             <a:endParaRPr lang="en-IN"/>
           </a:p>
@@ -866,7 +871,7 @@
           <a:p>
             <a:fld id="{F22DAE89-86ED-4408-9139-3EE7BF506454}" type="datetimeFigureOut">
               <a:rPr lang="en-IN" smtClean="0"/>
-              <a:t>31-01-2023</a:t>
+              <a:t>15-02-2023</a:t>
             </a:fld>
             <a:endParaRPr lang="en-IN"/>
           </a:p>
@@ -1142,7 +1147,7 @@
           <a:p>
             <a:fld id="{F22DAE89-86ED-4408-9139-3EE7BF506454}" type="datetimeFigureOut">
               <a:rPr lang="en-IN" smtClean="0"/>
-              <a:t>31-01-2023</a:t>
+              <a:t>15-02-2023</a:t>
             </a:fld>
             <a:endParaRPr lang="en-IN"/>
           </a:p>
@@ -1410,7 +1415,7 @@
           <a:p>
             <a:fld id="{F22DAE89-86ED-4408-9139-3EE7BF506454}" type="datetimeFigureOut">
               <a:rPr lang="en-IN" smtClean="0"/>
-              <a:t>31-01-2023</a:t>
+              <a:t>15-02-2023</a:t>
             </a:fld>
             <a:endParaRPr lang="en-IN"/>
           </a:p>
@@ -1825,7 +1830,7 @@
           <a:p>
             <a:fld id="{F22DAE89-86ED-4408-9139-3EE7BF506454}" type="datetimeFigureOut">
               <a:rPr lang="en-IN" smtClean="0"/>
-              <a:t>31-01-2023</a:t>
+              <a:t>15-02-2023</a:t>
             </a:fld>
             <a:endParaRPr lang="en-IN"/>
           </a:p>
@@ -1967,7 +1972,7 @@
           <a:p>
             <a:fld id="{F22DAE89-86ED-4408-9139-3EE7BF506454}" type="datetimeFigureOut">
               <a:rPr lang="en-IN" smtClean="0"/>
-              <a:t>31-01-2023</a:t>
+              <a:t>15-02-2023</a:t>
             </a:fld>
             <a:endParaRPr lang="en-IN"/>
           </a:p>
@@ -2080,7 +2085,7 @@
           <a:p>
             <a:fld id="{F22DAE89-86ED-4408-9139-3EE7BF506454}" type="datetimeFigureOut">
               <a:rPr lang="en-IN" smtClean="0"/>
-              <a:t>31-01-2023</a:t>
+              <a:t>15-02-2023</a:t>
             </a:fld>
             <a:endParaRPr lang="en-IN"/>
           </a:p>
@@ -2393,7 +2398,7 @@
           <a:p>
             <a:fld id="{F22DAE89-86ED-4408-9139-3EE7BF506454}" type="datetimeFigureOut">
               <a:rPr lang="en-IN" smtClean="0"/>
-              <a:t>31-01-2023</a:t>
+              <a:t>15-02-2023</a:t>
             </a:fld>
             <a:endParaRPr lang="en-IN"/>
           </a:p>
@@ -2682,7 +2687,7 @@
           <a:p>
             <a:fld id="{F22DAE89-86ED-4408-9139-3EE7BF506454}" type="datetimeFigureOut">
               <a:rPr lang="en-IN" smtClean="0"/>
-              <a:t>31-01-2023</a:t>
+              <a:t>15-02-2023</a:t>
             </a:fld>
             <a:endParaRPr lang="en-IN"/>
           </a:p>
@@ -2925,7 +2930,7 @@
           <a:p>
             <a:fld id="{F22DAE89-86ED-4408-9139-3EE7BF506454}" type="datetimeFigureOut">
               <a:rPr lang="en-IN" smtClean="0"/>
-              <a:t>31-01-2023</a:t>
+              <a:t>15-02-2023</a:t>
             </a:fld>
             <a:endParaRPr lang="en-IN"/>
           </a:p>
@@ -3342,6 +3347,40 @@
           <a:chExt cx="0" cy="0"/>
         </a:xfrm>
       </p:grpSpPr>
+      <p:pic>
+        <p:nvPicPr>
+          <p:cNvPr id="3" name="Picture 2">
+            <a:extLst>
+              <a:ext uri="{FF2B5EF4-FFF2-40B4-BE49-F238E27FC236}">
+                <a16:creationId xmlns:a16="http://schemas.microsoft.com/office/drawing/2014/main" id="{CB0DE6C1-D024-4BC3-AD88-87A753FE65DF}"/>
+              </a:ext>
+            </a:extLst>
+          </p:cNvPr>
+          <p:cNvPicPr>
+            <a:picLocks noChangeAspect="1"/>
+          </p:cNvPicPr>
+          <p:nvPr/>
+        </p:nvPicPr>
+        <p:blipFill rotWithShape="1">
+          <a:blip r:embed="rId2"/>
+          <a:srcRect l="29193" t="27673" r="2647" b="16981"/>
+          <a:stretch/>
+        </p:blipFill>
+        <p:spPr>
+          <a:xfrm>
+            <a:off x="230709" y="210520"/>
+            <a:ext cx="10965827" cy="5565125"/>
+          </a:xfrm>
+          <a:prstGeom prst="rect">
+            <a:avLst/>
+          </a:prstGeom>
+          <a:ln w="15875">
+            <a:solidFill>
+              <a:schemeClr val="tx1"/>
+            </a:solidFill>
+          </a:ln>
+        </p:spPr>
+      </p:pic>
     </p:spTree>
     <p:extLst>
       <p:ext uri="{BB962C8B-B14F-4D97-AF65-F5344CB8AC3E}">
